--- a/BCA/SEMESTER_4/Basics of JAVA/Chapter 3.pptx
+++ b/BCA/SEMESTER_4/Basics of JAVA/Chapter 3.pptx
@@ -320,7 +320,7 @@
           <a:p>
             <a:fld id="{48A87A34-81AB-432B-8DAE-1953F412C126}" type="datetimeFigureOut">
               <a:rPr lang="en-US" smtClean="0"/>
-              <a:t>2/4/2024</a:t>
+              <a:t>2/6/2024</a:t>
             </a:fld>
             <a:endParaRPr lang="en-US" dirty="0"/>
           </a:p>
@@ -659,7 +659,7 @@
             <a:fld id="{48A87A34-81AB-432B-8DAE-1953F412C126}" type="datetimeFigureOut">
               <a:rPr lang="en-US" smtClean="0"/>
               <a:pPr/>
-              <a:t>2/4/2024</a:t>
+              <a:t>2/6/2024</a:t>
             </a:fld>
             <a:endParaRPr lang="en-US" dirty="0"/>
           </a:p>
@@ -1062,7 +1062,7 @@
             <a:fld id="{48A87A34-81AB-432B-8DAE-1953F412C126}" type="datetimeFigureOut">
               <a:rPr lang="en-US" smtClean="0"/>
               <a:pPr/>
-              <a:t>2/4/2024</a:t>
+              <a:t>2/6/2024</a:t>
             </a:fld>
             <a:endParaRPr lang="en-US" dirty="0"/>
           </a:p>
@@ -1399,7 +1399,7 @@
           <a:p>
             <a:fld id="{48A87A34-81AB-432B-8DAE-1953F412C126}" type="datetimeFigureOut">
               <a:rPr lang="en-US" smtClean="0"/>
-              <a:t>2/4/2024</a:t>
+              <a:t>2/6/2024</a:t>
             </a:fld>
             <a:endParaRPr lang="en-US" dirty="0"/>
           </a:p>
@@ -1720,7 +1720,7 @@
             <a:fld id="{48A87A34-81AB-432B-8DAE-1953F412C126}" type="datetimeFigureOut">
               <a:rPr lang="en-US" smtClean="0"/>
               <a:pPr/>
-              <a:t>2/4/2024</a:t>
+              <a:t>2/6/2024</a:t>
             </a:fld>
             <a:endParaRPr lang="en-US" dirty="0"/>
           </a:p>
@@ -2118,7 +2118,7 @@
             <a:fld id="{48A87A34-81AB-432B-8DAE-1953F412C126}" type="datetimeFigureOut">
               <a:rPr lang="en-US" smtClean="0"/>
               <a:pPr/>
-              <a:t>2/4/2024</a:t>
+              <a:t>2/6/2024</a:t>
             </a:fld>
             <a:endParaRPr lang="en-US" dirty="0"/>
           </a:p>
@@ -2376,7 +2376,7 @@
           <a:p>
             <a:fld id="{48A87A34-81AB-432B-8DAE-1953F412C126}" type="datetimeFigureOut">
               <a:rPr lang="en-US" smtClean="0"/>
-              <a:t>2/4/2024</a:t>
+              <a:t>2/6/2024</a:t>
             </a:fld>
             <a:endParaRPr lang="en-US" dirty="0"/>
           </a:p>
@@ -2638,7 +2638,7 @@
           <a:p>
             <a:fld id="{48A87A34-81AB-432B-8DAE-1953F412C126}" type="datetimeFigureOut">
               <a:rPr lang="en-US" smtClean="0"/>
-              <a:t>2/4/2024</a:t>
+              <a:t>2/6/2024</a:t>
             </a:fld>
             <a:endParaRPr lang="en-US" dirty="0"/>
           </a:p>
@@ -2900,7 +2900,7 @@
           <a:p>
             <a:fld id="{48A87A34-81AB-432B-8DAE-1953F412C126}" type="datetimeFigureOut">
               <a:rPr lang="en-US" smtClean="0"/>
-              <a:t>2/4/2024</a:t>
+              <a:t>2/6/2024</a:t>
             </a:fld>
             <a:endParaRPr lang="en-US" dirty="0"/>
           </a:p>
@@ -3229,7 +3229,7 @@
           <a:p>
             <a:fld id="{48A87A34-81AB-432B-8DAE-1953F412C126}" type="datetimeFigureOut">
               <a:rPr lang="en-US" smtClean="0"/>
-              <a:t>2/4/2024</a:t>
+              <a:t>2/6/2024</a:t>
             </a:fld>
             <a:endParaRPr lang="en-US" dirty="0"/>
           </a:p>
@@ -3552,7 +3552,7 @@
           <a:p>
             <a:fld id="{48A87A34-81AB-432B-8DAE-1953F412C126}" type="datetimeFigureOut">
               <a:rPr lang="en-US" smtClean="0"/>
-              <a:t>2/4/2024</a:t>
+              <a:t>2/6/2024</a:t>
             </a:fld>
             <a:endParaRPr lang="en-US" dirty="0"/>
           </a:p>
@@ -4009,7 +4009,7 @@
           <a:p>
             <a:fld id="{48A87A34-81AB-432B-8DAE-1953F412C126}" type="datetimeFigureOut">
               <a:rPr lang="en-US" smtClean="0"/>
-              <a:t>2/4/2024</a:t>
+              <a:t>2/6/2024</a:t>
             </a:fld>
             <a:endParaRPr lang="en-US" dirty="0"/>
           </a:p>
@@ -4214,7 +4214,7 @@
           <a:p>
             <a:fld id="{48A87A34-81AB-432B-8DAE-1953F412C126}" type="datetimeFigureOut">
               <a:rPr lang="en-US" smtClean="0"/>
-              <a:t>2/4/2024</a:t>
+              <a:t>2/6/2024</a:t>
             </a:fld>
             <a:endParaRPr lang="en-US" dirty="0"/>
           </a:p>
@@ -4391,7 +4391,7 @@
           <a:p>
             <a:fld id="{48A87A34-81AB-432B-8DAE-1953F412C126}" type="datetimeFigureOut">
               <a:rPr lang="en-US" smtClean="0"/>
-              <a:t>2/4/2024</a:t>
+              <a:t>2/6/2024</a:t>
             </a:fld>
             <a:endParaRPr lang="en-US" dirty="0"/>
           </a:p>
@@ -4724,7 +4724,7 @@
           <a:p>
             <a:fld id="{48A87A34-81AB-432B-8DAE-1953F412C126}" type="datetimeFigureOut">
               <a:rPr lang="en-US" smtClean="0"/>
-              <a:t>2/4/2024</a:t>
+              <a:t>2/6/2024</a:t>
             </a:fld>
             <a:endParaRPr lang="en-US" dirty="0"/>
           </a:p>
@@ -5069,7 +5069,7 @@
           <a:p>
             <a:fld id="{48A87A34-81AB-432B-8DAE-1953F412C126}" type="datetimeFigureOut">
               <a:rPr lang="en-US" smtClean="0"/>
-              <a:t>2/4/2024</a:t>
+              <a:t>2/6/2024</a:t>
             </a:fld>
             <a:endParaRPr lang="en-US" dirty="0"/>
           </a:p>
@@ -7187,7 +7187,7 @@
             <a:fld id="{48A87A34-81AB-432B-8DAE-1953F412C126}" type="datetimeFigureOut">
               <a:rPr lang="en-US" smtClean="0"/>
               <a:pPr/>
-              <a:t>2/4/2024</a:t>
+              <a:t>2/6/2024</a:t>
             </a:fld>
             <a:endParaRPr lang="en-US" dirty="0"/>
           </a:p>
@@ -9387,66 +9387,71 @@
               </a:lnSpc>
               <a:buAutoNum type="arabicPeriod"/>
             </a:pPr>
-            <a:r>
-              <a:rPr lang="en-US" dirty="0">
-                <a:latin typeface="Times New Roman" panose="02020603050405020304" pitchFamily="18" charset="0"/>
-                <a:cs typeface="Times New Roman" panose="02020603050405020304" pitchFamily="18" charset="0"/>
-              </a:rPr>
-              <a:t>Initialization of the control variables is done first, using assignment statements such as i = 1 and count = o. The variables i and count are known as loop-control variables. </a:t>
-            </a:r>
-          </a:p>
-          <a:p>
-            <a:pPr algn="just">
-              <a:lnSpc>
-                <a:spcPct val="150000"/>
-              </a:lnSpc>
-            </a:pPr>
-            <a:r>
-              <a:rPr lang="en-US" dirty="0">
-                <a:latin typeface="Times New Roman" panose="02020603050405020304" pitchFamily="18" charset="0"/>
-                <a:cs typeface="Times New Roman" panose="02020603050405020304" pitchFamily="18" charset="0"/>
-              </a:rPr>
-              <a:t>2. The value of the control variable is tested using the test condition. </a:t>
-            </a:r>
-          </a:p>
-          <a:p>
-            <a:pPr algn="just">
-              <a:lnSpc>
-                <a:spcPct val="150000"/>
-              </a:lnSpc>
-            </a:pPr>
-            <a:r>
-              <a:rPr lang="en-US" dirty="0">
-                <a:latin typeface="Times New Roman" panose="02020603050405020304" pitchFamily="18" charset="0"/>
-                <a:cs typeface="Times New Roman" panose="02020603050405020304" pitchFamily="18" charset="0"/>
-              </a:rPr>
-              <a:t>3. The control variable is incremented using an assignment statement such as i = i+ 1 and the new value of the control variable is again tested to see whether it satisfies the loop condition</a:t>
-            </a:r>
-          </a:p>
-          <a:p>
-            <a:pPr algn="just">
-              <a:lnSpc>
-                <a:spcPct val="150000"/>
-              </a:lnSpc>
-            </a:pPr>
             <a:endParaRPr lang="en-US" dirty="0">
               <a:latin typeface="Times New Roman" panose="02020603050405020304" pitchFamily="18" charset="0"/>
               <a:cs typeface="Times New Roman" panose="02020603050405020304" pitchFamily="18" charset="0"/>
             </a:endParaRPr>
           </a:p>
           <a:p>
+            <a:pPr marL="342900" indent="-342900" algn="just">
+              <a:lnSpc>
+                <a:spcPct val="150000"/>
+              </a:lnSpc>
+              <a:buAutoNum type="arabicPeriod"/>
+            </a:pPr>
+            <a:r>
+              <a:rPr lang="en-US" dirty="0">
+                <a:latin typeface="Times New Roman" panose="02020603050405020304" pitchFamily="18" charset="0"/>
+                <a:cs typeface="Times New Roman" panose="02020603050405020304" pitchFamily="18" charset="0"/>
+              </a:rPr>
+              <a:t>Initialization of the control variables is done first, using assignment statements such as i = 1 and count = o. The variables i and count are known as loop-control variables. </a:t>
+            </a:r>
+          </a:p>
+          <a:p>
             <a:pPr algn="just">
               <a:lnSpc>
                 <a:spcPct val="150000"/>
               </a:lnSpc>
             </a:pPr>
             <a:r>
-              <a:rPr lang="en-US" b="1" u="sng" dirty="0">
-                <a:latin typeface="Times New Roman" panose="02020603050405020304" pitchFamily="18" charset="0"/>
-                <a:cs typeface="Times New Roman" panose="02020603050405020304" pitchFamily="18" charset="0"/>
-              </a:rPr>
-              <a:t>Examples:</a:t>
-            </a:r>
+              <a:rPr lang="en-US" dirty="0">
+                <a:latin typeface="Times New Roman" panose="02020603050405020304" pitchFamily="18" charset="0"/>
+                <a:cs typeface="Times New Roman" panose="02020603050405020304" pitchFamily="18" charset="0"/>
+              </a:rPr>
+              <a:t>2. The value of the control variable is tested using the test condition. </a:t>
+            </a:r>
+          </a:p>
+          <a:p>
+            <a:pPr algn="just">
+              <a:lnSpc>
+                <a:spcPct val="150000"/>
+              </a:lnSpc>
+            </a:pPr>
+            <a:r>
+              <a:rPr lang="en-US" dirty="0">
+                <a:latin typeface="Times New Roman" panose="02020603050405020304" pitchFamily="18" charset="0"/>
+                <a:cs typeface="Times New Roman" panose="02020603050405020304" pitchFamily="18" charset="0"/>
+              </a:rPr>
+              <a:t>3. The control variable is incremented using an assignment statement such as i = i+ 1 and the new value of the control variable is again tested to see whether it satisfies the loop condition</a:t>
+            </a:r>
+          </a:p>
+          <a:p>
+            <a:pPr algn="just">
+              <a:lnSpc>
+                <a:spcPct val="150000"/>
+              </a:lnSpc>
+            </a:pPr>
+            <a:r>
+              <a:rPr lang="en-US" b="1" u="sng">
+                <a:latin typeface="Times New Roman" panose="02020603050405020304" pitchFamily="18" charset="0"/>
+                <a:cs typeface="Times New Roman" panose="02020603050405020304" pitchFamily="18" charset="0"/>
+              </a:rPr>
+              <a:t>Example:</a:t>
+            </a:r>
+            <a:endParaRPr lang="en-US" b="1" u="sng" dirty="0">
+              <a:latin typeface="Times New Roman" panose="02020603050405020304" pitchFamily="18" charset="0"/>
+              <a:cs typeface="Times New Roman" panose="02020603050405020304" pitchFamily="18" charset="0"/>
+            </a:endParaRPr>
           </a:p>
         </p:txBody>
       </p:sp>
@@ -9473,7 +9478,7 @@
         <p:spPr>
           <a:xfrm>
             <a:off x="1816615" y="1552595"/>
-            <a:ext cx="4510443" cy="718657"/>
+            <a:ext cx="5587075" cy="1062786"/>
           </a:xfrm>
           <a:prstGeom prst="rect">
             <a:avLst/>
@@ -9516,96 +9521,8 @@
         </p:blipFill>
         <p:spPr>
           <a:xfrm>
-            <a:off x="471778" y="5483168"/>
-            <a:ext cx="3985591" cy="883997"/>
-          </a:xfrm>
-          <a:prstGeom prst="rect">
-            <a:avLst/>
-          </a:prstGeom>
-          <a:ln w="38100" cap="sq">
-            <a:solidFill>
-              <a:srgbClr val="000000"/>
-            </a:solidFill>
-            <a:prstDash val="solid"/>
-            <a:miter lim="800000"/>
-          </a:ln>
-          <a:effectLst>
-            <a:outerShdw blurRad="50800" dist="38100" dir="2700000" algn="tl" rotWithShape="0">
-              <a:srgbClr val="000000">
-                <a:alpha val="43000"/>
-              </a:srgbClr>
-            </a:outerShdw>
-          </a:effectLst>
-        </p:spPr>
-      </p:pic>
-      <p:pic>
-        <p:nvPicPr>
-          <p:cNvPr id="5" name="Picture 4">
-            <a:extLst>
-              <a:ext uri="{FF2B5EF4-FFF2-40B4-BE49-F238E27FC236}">
-                <a16:creationId xmlns:a16="http://schemas.microsoft.com/office/drawing/2014/main" id="{4047422D-1E09-457B-B2AE-08BD13A0E881}"/>
-              </a:ext>
-            </a:extLst>
-          </p:cNvPr>
-          <p:cNvPicPr>
-            <a:picLocks noChangeAspect="1"/>
-          </p:cNvPicPr>
-          <p:nvPr/>
-        </p:nvPicPr>
-        <p:blipFill>
-          <a:blip r:embed="rId4"/>
-          <a:stretch>
-            <a:fillRect/>
-          </a:stretch>
-        </p:blipFill>
-        <p:spPr>
-          <a:xfrm>
-            <a:off x="4687671" y="5483168"/>
-            <a:ext cx="3823164" cy="480102"/>
-          </a:xfrm>
-          <a:prstGeom prst="rect">
-            <a:avLst/>
-          </a:prstGeom>
-          <a:ln w="38100" cap="sq">
-            <a:solidFill>
-              <a:srgbClr val="000000"/>
-            </a:solidFill>
-            <a:prstDash val="solid"/>
-            <a:miter lim="800000"/>
-          </a:ln>
-          <a:effectLst>
-            <a:outerShdw blurRad="50800" dist="38100" dir="2700000" algn="tl" rotWithShape="0">
-              <a:srgbClr val="000000">
-                <a:alpha val="43000"/>
-              </a:srgbClr>
-            </a:outerShdw>
-          </a:effectLst>
-        </p:spPr>
-      </p:pic>
-      <p:pic>
-        <p:nvPicPr>
-          <p:cNvPr id="6" name="Picture 5">
-            <a:extLst>
-              <a:ext uri="{FF2B5EF4-FFF2-40B4-BE49-F238E27FC236}">
-                <a16:creationId xmlns:a16="http://schemas.microsoft.com/office/drawing/2014/main" id="{D0A0BEC6-7037-44FF-806D-068263344445}"/>
-              </a:ext>
-            </a:extLst>
-          </p:cNvPr>
-          <p:cNvPicPr>
-            <a:picLocks noChangeAspect="1"/>
-          </p:cNvPicPr>
-          <p:nvPr/>
-        </p:nvPicPr>
-        <p:blipFill>
-          <a:blip r:embed="rId5"/>
-          <a:stretch>
-            <a:fillRect/>
-          </a:stretch>
-        </p:blipFill>
-        <p:spPr>
-          <a:xfrm>
-            <a:off x="8741138" y="5365049"/>
-            <a:ext cx="3378732" cy="1120237"/>
+            <a:off x="874901" y="5483751"/>
+            <a:ext cx="3985591" cy="1002116"/>
           </a:xfrm>
           <a:prstGeom prst="rect">
             <a:avLst/>
@@ -9764,7 +9681,7 @@
         <p:spPr>
           <a:xfrm>
             <a:off x="1289921" y="2450457"/>
-            <a:ext cx="5315691" cy="1158340"/>
+            <a:ext cx="5315691" cy="1443116"/>
           </a:xfrm>
           <a:prstGeom prst="rect">
             <a:avLst/>
@@ -9807,8 +9724,8 @@
         </p:blipFill>
         <p:spPr>
           <a:xfrm>
-            <a:off x="7276002" y="2450457"/>
-            <a:ext cx="4168876" cy="1157982"/>
+            <a:off x="7276002" y="2450456"/>
+            <a:ext cx="4168876" cy="1443117"/>
           </a:xfrm>
           <a:prstGeom prst="rect">
             <a:avLst/>
@@ -9851,52 +9768,8 @@
         </p:blipFill>
         <p:spPr>
           <a:xfrm>
-            <a:off x="1289920" y="4214279"/>
-            <a:ext cx="5315692" cy="2119813"/>
-          </a:xfrm>
-          <a:prstGeom prst="rect">
-            <a:avLst/>
-          </a:prstGeom>
-          <a:ln w="38100" cap="sq">
-            <a:solidFill>
-              <a:srgbClr val="000000"/>
-            </a:solidFill>
-            <a:prstDash val="solid"/>
-            <a:miter lim="800000"/>
-          </a:ln>
-          <a:effectLst>
-            <a:outerShdw blurRad="50800" dist="38100" dir="2700000" algn="tl" rotWithShape="0">
-              <a:srgbClr val="000000">
-                <a:alpha val="43000"/>
-              </a:srgbClr>
-            </a:outerShdw>
-          </a:effectLst>
-        </p:spPr>
-      </p:pic>
-      <p:pic>
-        <p:nvPicPr>
-          <p:cNvPr id="9" name="Picture 8">
-            <a:extLst>
-              <a:ext uri="{FF2B5EF4-FFF2-40B4-BE49-F238E27FC236}">
-                <a16:creationId xmlns:a16="http://schemas.microsoft.com/office/drawing/2014/main" id="{76AD98DE-D7BC-4154-85EC-8FD07E0AD568}"/>
-              </a:ext>
-            </a:extLst>
-          </p:cNvPr>
-          <p:cNvPicPr>
-            <a:picLocks noChangeAspect="1"/>
-          </p:cNvPicPr>
-          <p:nvPr/>
-        </p:nvPicPr>
-        <p:blipFill>
-          <a:blip r:embed="rId5"/>
-          <a:stretch>
-            <a:fillRect/>
-          </a:stretch>
-        </p:blipFill>
-        <p:spPr>
-          <a:xfrm>
-            <a:off x="7276002" y="4214279"/>
-            <a:ext cx="4168876" cy="2119813"/>
+            <a:off x="2418736" y="4286865"/>
+            <a:ext cx="7846142" cy="2047227"/>
           </a:xfrm>
           <a:prstGeom prst="rect">
             <a:avLst/>
@@ -9962,7 +9835,7 @@
         <p:spPr>
           <a:xfrm>
             <a:off x="1474839" y="0"/>
-            <a:ext cx="10717161" cy="4191981"/>
+            <a:ext cx="10717161" cy="4653646"/>
           </a:xfrm>
           <a:prstGeom prst="rect">
             <a:avLst/>
@@ -10000,7 +9873,14 @@
                 <a:latin typeface="Times New Roman" panose="02020603050405020304" pitchFamily="18" charset="0"/>
                 <a:cs typeface="Times New Roman" panose="02020603050405020304" pitchFamily="18" charset="0"/>
               </a:rPr>
-              <a:t>Nesting of loops, that is, one for statement within another for statement is allowed in Java</a:t>
+              <a:t>Nesting of loops, that is, one for statement within another for statement is allowed in Java.</a:t>
+            </a:r>
+            <a:r>
+              <a:rPr lang="en-US" sz="2000" b="1" u="sng" dirty="0">
+                <a:latin typeface="Times New Roman" panose="02020603050405020304" pitchFamily="18" charset="0"/>
+                <a:cs typeface="Times New Roman" panose="02020603050405020304" pitchFamily="18" charset="0"/>
+              </a:rPr>
+              <a:t>                  </a:t>
             </a:r>
           </a:p>
           <a:p>
@@ -10008,6 +9888,29 @@
               <a:lnSpc>
                 <a:spcPct val="150000"/>
               </a:lnSpc>
+            </a:pPr>
+            <a:r>
+              <a:rPr lang="en-US" sz="2000" b="1" dirty="0">
+                <a:latin typeface="Times New Roman" panose="02020603050405020304" pitchFamily="18" charset="0"/>
+                <a:cs typeface="Times New Roman" panose="02020603050405020304" pitchFamily="18" charset="0"/>
+              </a:rPr>
+              <a:t>                                                                                  </a:t>
+            </a:r>
+            <a:r>
+              <a:rPr lang="en-US" sz="2000" b="1" u="sng" dirty="0">
+                <a:latin typeface="Times New Roman" panose="02020603050405020304" pitchFamily="18" charset="0"/>
+                <a:cs typeface="Times New Roman" panose="02020603050405020304" pitchFamily="18" charset="0"/>
+              </a:rPr>
+              <a:t>Example:</a:t>
+            </a:r>
+          </a:p>
+          <a:p>
+            <a:pPr marL="342900" indent="-342900" algn="just">
+              <a:lnSpc>
+                <a:spcPct val="150000"/>
+              </a:lnSpc>
+              <a:buFont typeface="Wingdings" panose="05000000000000000000" pitchFamily="2" charset="2"/>
+              <a:buChar char="Ø"/>
             </a:pPr>
             <a:endParaRPr lang="en-US" sz="2000" dirty="0">
               <a:latin typeface="Times New Roman" panose="02020603050405020304" pitchFamily="18" charset="0"/>
@@ -10075,13 +9978,10 @@
                 <a:spcPct val="150000"/>
               </a:lnSpc>
             </a:pPr>
-            <a:r>
-              <a:rPr lang="en-US" sz="2000" b="1" u="sng" dirty="0">
-                <a:latin typeface="Times New Roman" panose="02020603050405020304" pitchFamily="18" charset="0"/>
-                <a:cs typeface="Times New Roman" panose="02020603050405020304" pitchFamily="18" charset="0"/>
-              </a:rPr>
-              <a:t>Example:</a:t>
-            </a:r>
+            <a:endParaRPr lang="en-US" sz="2000" dirty="0">
+              <a:latin typeface="Times New Roman" panose="02020603050405020304" pitchFamily="18" charset="0"/>
+              <a:cs typeface="Times New Roman" panose="02020603050405020304" pitchFamily="18" charset="0"/>
+            </a:endParaRPr>
           </a:p>
         </p:txBody>
       </p:sp>
@@ -10107,8 +10007,8 @@
         </p:blipFill>
         <p:spPr>
           <a:xfrm>
-            <a:off x="2467898" y="1216174"/>
-            <a:ext cx="4473328" cy="2347163"/>
+            <a:off x="658761" y="1638999"/>
+            <a:ext cx="5437239" cy="4653646"/>
           </a:xfrm>
           <a:prstGeom prst="rect">
             <a:avLst/>
@@ -10151,8 +10051,8 @@
         </p:blipFill>
         <p:spPr>
           <a:xfrm>
-            <a:off x="2467898" y="4386220"/>
-            <a:ext cx="4473328" cy="2319379"/>
+            <a:off x="6744928" y="1638999"/>
+            <a:ext cx="5309419" cy="4653646"/>
           </a:xfrm>
           <a:prstGeom prst="rect">
             <a:avLst/>
@@ -10472,8 +10372,8 @@
         </p:nvSpPr>
         <p:spPr>
           <a:xfrm>
-            <a:off x="1504334" y="314632"/>
-            <a:ext cx="10687665" cy="6690550"/>
+            <a:off x="1504334" y="324464"/>
+            <a:ext cx="10687665" cy="7106048"/>
           </a:xfrm>
           <a:prstGeom prst="rect">
             <a:avLst/>
@@ -10565,6 +10465,20 @@
                 <a:spcPct val="150000"/>
               </a:lnSpc>
             </a:pPr>
+            <a:endParaRPr lang="en-US" dirty="0">
+              <a:solidFill>
+                <a:srgbClr val="000000"/>
+              </a:solidFill>
+              <a:latin typeface="Times New Roman" panose="02020603050405020304" pitchFamily="18" charset="0"/>
+              <a:cs typeface="Times New Roman" panose="02020603050405020304" pitchFamily="18" charset="0"/>
+            </a:endParaRPr>
+          </a:p>
+          <a:p>
+            <a:pPr algn="just">
+              <a:lnSpc>
+                <a:spcPct val="150000"/>
+              </a:lnSpc>
+            </a:pPr>
             <a:r>
               <a:rPr lang="en-US" b="1" u="sng" dirty="0">
                 <a:latin typeface="Times New Roman" panose="02020603050405020304" pitchFamily="18" charset="0"/>
@@ -10641,6 +10555,17 @@
                 <a:spcPct val="150000"/>
               </a:lnSpc>
             </a:pPr>
+            <a:endParaRPr lang="en-US" dirty="0">
+              <a:latin typeface="Times New Roman" panose="02020603050405020304" pitchFamily="18" charset="0"/>
+              <a:cs typeface="Times New Roman" panose="02020603050405020304" pitchFamily="18" charset="0"/>
+            </a:endParaRPr>
+          </a:p>
+          <a:p>
+            <a:pPr algn="just">
+              <a:lnSpc>
+                <a:spcPct val="150000"/>
+              </a:lnSpc>
+            </a:pPr>
             <a:r>
               <a:rPr lang="en-US" b="1" u="sng" dirty="0">
                 <a:latin typeface="Times New Roman" panose="02020603050405020304" pitchFamily="18" charset="0"/>
@@ -10678,37 +10603,7 @@
                 <a:latin typeface="Times New Roman" panose="02020603050405020304" pitchFamily="18" charset="0"/>
                 <a:cs typeface="Times New Roman" panose="02020603050405020304" pitchFamily="18" charset="0"/>
               </a:rPr>
-              <a:t>When the continue statement is encountered, then it skip the current iteration and the next iteration </a:t>
-            </a:r>
-            <a:r>
-              <a:rPr lang="en-US">
-                <a:latin typeface="Times New Roman" panose="02020603050405020304" pitchFamily="18" charset="0"/>
-                <a:cs typeface="Times New Roman" panose="02020603050405020304" pitchFamily="18" charset="0"/>
-              </a:rPr>
-              <a:t>starts.</a:t>
-            </a:r>
-          </a:p>
-          <a:p>
-            <a:pPr marL="285750" indent="-285750" algn="just">
-              <a:lnSpc>
-                <a:spcPct val="150000"/>
-              </a:lnSpc>
-              <a:buFont typeface="Wingdings" panose="05000000000000000000" pitchFamily="2" charset="2"/>
-              <a:buChar char="Ø"/>
-            </a:pPr>
-            <a:r>
-              <a:rPr lang="en-US">
-                <a:latin typeface="Times New Roman" panose="02020603050405020304" pitchFamily="18" charset="0"/>
-                <a:cs typeface="Times New Roman" panose="02020603050405020304" pitchFamily="18" charset="0"/>
-              </a:rPr>
-              <a:t>We </a:t>
-            </a:r>
-            <a:r>
-              <a:rPr lang="en-US" dirty="0">
-                <a:latin typeface="Times New Roman" panose="02020603050405020304" pitchFamily="18" charset="0"/>
-                <a:cs typeface="Times New Roman" panose="02020603050405020304" pitchFamily="18" charset="0"/>
-              </a:rPr>
-              <a:t>can use continue statement to skip current iteration and continue the next iteration inside loops.</a:t>
+              <a:t>When the continue statement is encountered, then it skip the current iteration and the next iteration starts.</a:t>
             </a:r>
           </a:p>
           <a:p>
@@ -11518,7 +11413,7 @@
                 <a:latin typeface="Times New Roman" panose="02020603050405020304" pitchFamily="18" charset="0"/>
                 <a:cs typeface="Times New Roman" panose="02020603050405020304" pitchFamily="18" charset="0"/>
               </a:rPr>
-              <a:t>if(weight&gt;170) </a:t>
+              <a:t>if(height&gt;170) </a:t>
             </a:r>
           </a:p>
           <a:p>
@@ -12551,10 +12446,10 @@
       </p:sp>
       <p:pic>
         <p:nvPicPr>
-          <p:cNvPr id="4" name="Picture 3">
+          <p:cNvPr id="2" name="Picture 1">
             <a:extLst>
               <a:ext uri="{FF2B5EF4-FFF2-40B4-BE49-F238E27FC236}">
-                <a16:creationId xmlns:a16="http://schemas.microsoft.com/office/drawing/2014/main" id="{1B8F7268-C2F6-4423-BFC0-D6679EBBB5B3}"/>
+                <a16:creationId xmlns:a16="http://schemas.microsoft.com/office/drawing/2014/main" id="{F10D664D-1520-42CA-BFE9-7233AF8BF2B1}"/>
               </a:ext>
             </a:extLst>
           </p:cNvPr>
@@ -12571,26 +12466,12 @@
         </p:blipFill>
         <p:spPr>
           <a:xfrm>
-            <a:off x="1445342" y="1087864"/>
-            <a:ext cx="9252155" cy="5440755"/>
+            <a:off x="1543666" y="1042219"/>
+            <a:ext cx="9045676" cy="5555226"/>
           </a:xfrm>
           <a:prstGeom prst="rect">
             <a:avLst/>
           </a:prstGeom>
-          <a:ln w="38100" cap="sq">
-            <a:solidFill>
-              <a:srgbClr val="000000"/>
-            </a:solidFill>
-            <a:prstDash val="solid"/>
-            <a:miter lim="800000"/>
-          </a:ln>
-          <a:effectLst>
-            <a:outerShdw blurRad="50800" dist="38100" dir="2700000" algn="tl" rotWithShape="0">
-              <a:srgbClr val="000000">
-                <a:alpha val="43000"/>
-              </a:srgbClr>
-            </a:outerShdw>
-          </a:effectLst>
         </p:spPr>
       </p:pic>
     </p:spTree>
